--- a/docs/ATL_ICES.pptx
+++ b/docs/ATL_ICES.pptx
@@ -43,7 +43,6 @@
     <p:sldId id="290" r:id="rId38"/>
     <p:sldId id="291" r:id="rId39"/>
     <p:sldId id="292" r:id="rId40"/>
-    <p:sldId id="293" r:id="rId41"/>
   </p:sldIdLst>
   <p:sldSz cx="10080625" cy="7559675"/>
   <p:notesSz cx="7772400" cy="10058400"/>
@@ -4538,9 +4537,6 @@
       </p:sp>
     </p:spTree>
   </p:cSld>
-  <p:transition spd="med">
-    <p:fade/>
-  </p:transition>
   <p:timing>
     <p:tnLst>
       <p:par>
@@ -6183,9 +6179,6 @@
       </p:sp>
     </p:spTree>
   </p:cSld>
-  <p:transition spd="med">
-    <p:fade/>
-  </p:transition>
   <p:timing>
     <p:tnLst>
       <p:par>
@@ -7709,9 +7702,6 @@
       </p:sp>
     </p:spTree>
   </p:cSld>
-  <p:transition spd="med">
-    <p:fade/>
-  </p:transition>
   <p:timing>
     <p:tnLst>
       <p:par>
@@ -9354,9 +9344,6 @@
       </p:sp>
     </p:spTree>
   </p:cSld>
-  <p:transition spd="med">
-    <p:fade/>
-  </p:transition>
   <p:timing>
     <p:tnLst>
       <p:par>
@@ -11745,9 +11732,6 @@
       </p:sp>
     </p:spTree>
   </p:cSld>
-  <p:transition spd="med">
-    <p:fade/>
-  </p:transition>
   <p:timing>
     <p:tnLst>
       <p:par>
@@ -14255,9 +14239,6 @@
       </p:sp>
     </p:spTree>
   </p:cSld>
-  <p:transition spd="med">
-    <p:fade/>
-  </p:transition>
   <p:timing>
     <p:tnLst>
       <p:par>
@@ -15627,9 +15608,6 @@
       </p:sp>
     </p:spTree>
   </p:cSld>
-  <p:transition spd="med">
-    <p:fade/>
-  </p:transition>
   <p:timing>
     <p:tnLst>
       <p:par>
@@ -17088,9 +17066,6 @@
       </p:sp>
     </p:spTree>
   </p:cSld>
-  <p:transition spd="med">
-    <p:fade/>
-  </p:transition>
   <p:timing>
     <p:tnLst>
       <p:par>
@@ -18668,9 +18643,6 @@
       </p:sp>
     </p:spTree>
   </p:cSld>
-  <p:transition spd="med">
-    <p:fade/>
-  </p:transition>
   <p:timing>
     <p:tnLst>
       <p:par>
@@ -18900,9 +18872,6 @@
       </p:sp>
     </p:spTree>
   </p:cSld>
-  <p:transition spd="med">
-    <p:fade/>
-  </p:transition>
   <p:timing>
     <p:tnLst>
       <p:par>
@@ -19423,9 +19392,6 @@
       </p:pic>
     </p:spTree>
   </p:cSld>
-  <p:transition spd="med">
-    <p:fade/>
-  </p:transition>
   <p:timing>
     <p:tnLst>
       <p:par>
@@ -19642,7 +19608,7 @@
               <a:buChar char="●"/>
             </a:pPr>
             <a:r>
-              <a:rPr b="0" lang="en-US" sz="3200" spc="-1" strike="noStrike">
+              <a:rPr b="0" lang="en-US" sz="2400" spc="-1" strike="noStrike">
                 <a:solidFill>
                   <a:srgbClr val="000000"/>
                 </a:solidFill>
@@ -19656,20 +19622,20 @@
               </a:rPr>
               <a:t>Automatic Differentiation</a:t>
             </a:r>
-            <a:endParaRPr b="0" lang="en-US" sz="3200" spc="-1" strike="noStrike">
-              <a:solidFill>
-                <a:srgbClr val="000000"/>
-              </a:solidFill>
-              <a:uFill>
-                <a:solidFill>
-                  <a:srgbClr val="ffffff"/>
-                </a:solidFill>
-              </a:uFill>
-              <a:latin typeface="Arial"/>
-            </a:endParaRPr>
-          </a:p>
-          <a:p>
-            <a:pPr marL="555480" indent="-554400">
+            <a:endParaRPr b="0" lang="en-US" sz="2400" spc="-1" strike="noStrike">
+              <a:solidFill>
+                <a:srgbClr val="000000"/>
+              </a:solidFill>
+              <a:uFill>
+                <a:solidFill>
+                  <a:srgbClr val="ffffff"/>
+                </a:solidFill>
+              </a:uFill>
+              <a:latin typeface="Arial"/>
+            </a:endParaRPr>
+          </a:p>
+          <a:p>
+            <a:pPr lvl="3" marL="864000" indent="-216000">
               <a:lnSpc>
                 <a:spcPct val="93000"/>
               </a:lnSpc>
@@ -19680,55 +19646,100 @@
                 <a:srgbClr val="000000"/>
               </a:buClr>
               <a:buSzPct val="45000"/>
-              <a:buFont typeface="Noto Sans Symbols"/>
-              <a:buChar char="●"/>
-            </a:pPr>
-            <a:r>
-              <a:rPr b="0" lang="en-US" sz="3200" spc="-1" strike="noStrike">
-                <a:solidFill>
-                  <a:srgbClr val="000000"/>
-                </a:solidFill>
-                <a:uFill>
-                  <a:solidFill>
-                    <a:srgbClr val="ffffff"/>
-                  </a:solidFill>
-                </a:uFill>
-                <a:latin typeface="Arial"/>
-                <a:ea typeface="Arial"/>
-              </a:rPr>
-              <a:t>Optimization (</a:t>
-            </a:r>
-            <a:r>
-              <a:rPr b="0" i="1" lang="en-US" sz="2000" spc="-1" strike="noStrike">
-                <a:solidFill>
-                  <a:srgbClr val="000000"/>
-                </a:solidFill>
-                <a:uFill>
-                  <a:solidFill>
-                    <a:srgbClr val="ffffff"/>
-                  </a:solidFill>
-                </a:uFill>
-                <a:latin typeface="Arial"/>
-                <a:ea typeface="Arial"/>
-              </a:rPr>
-              <a:t>Constrained and Unconstrained</a:t>
-            </a:r>
-            <a:r>
-              <a:rPr b="0" lang="en-US" sz="3200" spc="-1" strike="noStrike">
-                <a:solidFill>
-                  <a:srgbClr val="000000"/>
-                </a:solidFill>
-                <a:uFill>
-                  <a:solidFill>
-                    <a:srgbClr val="ffffff"/>
-                  </a:solidFill>
-                </a:uFill>
-                <a:latin typeface="Arial"/>
-                <a:ea typeface="Arial"/>
-              </a:rPr>
-              <a:t>)</a:t>
-            </a:r>
-            <a:endParaRPr b="0" lang="en-US" sz="3200" spc="-1" strike="noStrike">
+              <a:buFont typeface="Wingdings" charset="2"/>
+              <a:buChar char=""/>
+            </a:pPr>
+            <a:r>
+              <a:rPr b="0" lang="en-US" sz="2400" spc="-1" strike="noStrike">
+                <a:solidFill>
+                  <a:srgbClr val="000000"/>
+                </a:solidFill>
+                <a:uFill>
+                  <a:solidFill>
+                    <a:srgbClr val="ffffff"/>
+                  </a:solidFill>
+                </a:uFill>
+                <a:latin typeface="Arial"/>
+                <a:ea typeface="Arial"/>
+              </a:rPr>
+              <a:t>N</a:t>
+            </a:r>
+            <a:r>
+              <a:rPr b="0" lang="en-US" sz="2400" spc="-1" strike="noStrike" baseline="33000">
+                <a:solidFill>
+                  <a:srgbClr val="000000"/>
+                </a:solidFill>
+                <a:uFill>
+                  <a:solidFill>
+                    <a:srgbClr val="ffffff"/>
+                  </a:solidFill>
+                </a:uFill>
+                <a:latin typeface="Arial"/>
+                <a:ea typeface="Arial"/>
+              </a:rPr>
+              <a:t>th</a:t>
+            </a:r>
+            <a:r>
+              <a:rPr b="0" lang="en-US" sz="2400" spc="-1" strike="noStrike">
+                <a:solidFill>
+                  <a:srgbClr val="000000"/>
+                </a:solidFill>
+                <a:uFill>
+                  <a:solidFill>
+                    <a:srgbClr val="ffffff"/>
+                  </a:solidFill>
+                </a:uFill>
+                <a:latin typeface="Arial"/>
+                <a:ea typeface="Arial"/>
+              </a:rPr>
+              <a:t>-</a:t>
+            </a:r>
+            <a:r>
+              <a:rPr b="0" lang="en-US" sz="2400" spc="-1" strike="noStrike">
+                <a:solidFill>
+                  <a:srgbClr val="000000"/>
+                </a:solidFill>
+                <a:uFill>
+                  <a:solidFill>
+                    <a:srgbClr val="ffffff"/>
+                  </a:solidFill>
+                </a:uFill>
+                <a:latin typeface="Arial"/>
+                <a:ea typeface="Arial"/>
+              </a:rPr>
+              <a:t>order derivatives, up to 3</a:t>
+            </a:r>
+            <a:r>
+              <a:rPr b="0" lang="en-US" sz="2400" spc="-1" strike="noStrike" baseline="101000">
+                <a:solidFill>
+                  <a:srgbClr val="000000"/>
+                </a:solidFill>
+                <a:uFill>
+                  <a:solidFill>
+                    <a:srgbClr val="ffffff"/>
+                  </a:solidFill>
+                </a:uFill>
+                <a:latin typeface="Arial"/>
+                <a:ea typeface="Arial"/>
+              </a:rPr>
+              <a:t>rd</a:t>
+            </a:r>
+            <a:r>
+              <a:rPr b="0" lang="en-US" sz="2400" spc="-1" strike="noStrike">
+                <a:solidFill>
+                  <a:srgbClr val="000000"/>
+                </a:solidFill>
+                <a:uFill>
+                  <a:solidFill>
+                    <a:srgbClr val="ffffff"/>
+                  </a:solidFill>
+                </a:uFill>
+                <a:latin typeface="Arial"/>
+                <a:ea typeface="Arial"/>
+              </a:rPr>
+              <a:t>-order mixed</a:t>
+            </a:r>
+            <a:endParaRPr b="0" lang="en-US" sz="2400" spc="-1" strike="noStrike">
               <a:solidFill>
                 <a:srgbClr val="000000"/>
               </a:solidFill>
@@ -19756,21 +19767,21 @@
               <a:buChar char=""/>
             </a:pPr>
             <a:r>
-              <a:rPr b="0" lang="en-US" sz="3200" spc="-1" strike="noStrike">
-                <a:solidFill>
-                  <a:srgbClr val="000000"/>
-                </a:solidFill>
-                <a:uFill>
-                  <a:solidFill>
-                    <a:srgbClr val="ffffff"/>
-                  </a:solidFill>
-                </a:uFill>
-                <a:latin typeface="Arial"/>
-                <a:ea typeface="Arial"/>
-              </a:rPr>
-              <a:t>Fixed and Mixed Effects Modeling </a:t>
-            </a:r>
-            <a:endParaRPr b="0" lang="en-US" sz="3200" spc="-1" strike="noStrike">
+              <a:rPr b="0" lang="en-US" sz="2400" spc="-1" strike="noStrike">
+                <a:solidFill>
+                  <a:srgbClr val="000000"/>
+                </a:solidFill>
+                <a:uFill>
+                  <a:solidFill>
+                    <a:srgbClr val="ffffff"/>
+                  </a:solidFill>
+                </a:uFill>
+                <a:latin typeface="Arial"/>
+                <a:ea typeface="Arial"/>
+              </a:rPr>
+              <a:t>Unified Taylor, Dynamic Recording, primitive ADjoints </a:t>
+            </a:r>
+            <a:endParaRPr b="0" lang="en-US" sz="2400" spc="-1" strike="noStrike">
               <a:solidFill>
                 <a:srgbClr val="000000"/>
               </a:solidFill>
@@ -19798,37 +19809,37 @@
               <a:buChar char="●"/>
             </a:pPr>
             <a:r>
-              <a:rPr b="0" lang="en-US" sz="3200" spc="-1" strike="noStrike">
-                <a:solidFill>
-                  <a:srgbClr val="000000"/>
-                </a:solidFill>
-                <a:uFill>
-                  <a:solidFill>
-                    <a:srgbClr val="ffffff"/>
-                  </a:solidFill>
-                </a:uFill>
-                <a:latin typeface="Arial"/>
-                <a:ea typeface="Arial"/>
-              </a:rPr>
-              <a:t>Containers (</a:t>
-            </a:r>
-            <a:r>
-              <a:rPr b="0" i="1" lang="en-US" sz="2000" spc="-1" strike="noStrike">
-                <a:solidFill>
-                  <a:srgbClr val="000000"/>
-                </a:solidFill>
-                <a:uFill>
-                  <a:solidFill>
-                    <a:srgbClr val="ffffff"/>
-                  </a:solidFill>
-                </a:uFill>
-                <a:latin typeface="Arial"/>
-                <a:ea typeface="Arial"/>
-              </a:rPr>
-              <a:t>Matrices, Vectors, Arrays</a:t>
-            </a:r>
-            <a:r>
-              <a:rPr b="0" lang="en-US" sz="3200" spc="-1" strike="noStrike">
+              <a:rPr b="0" lang="en-US" sz="2400" spc="-1" strike="noStrike">
+                <a:solidFill>
+                  <a:srgbClr val="000000"/>
+                </a:solidFill>
+                <a:uFill>
+                  <a:solidFill>
+                    <a:srgbClr val="ffffff"/>
+                  </a:solidFill>
+                </a:uFill>
+                <a:latin typeface="Arial"/>
+                <a:ea typeface="Arial"/>
+              </a:rPr>
+              <a:t>Optimization (</a:t>
+            </a:r>
+            <a:r>
+              <a:rPr b="0" i="1" lang="en-US" sz="2400" spc="-1" strike="noStrike">
+                <a:solidFill>
+                  <a:srgbClr val="000000"/>
+                </a:solidFill>
+                <a:uFill>
+                  <a:solidFill>
+                    <a:srgbClr val="ffffff"/>
+                  </a:solidFill>
+                </a:uFill>
+                <a:latin typeface="Arial"/>
+                <a:ea typeface="Arial"/>
+              </a:rPr>
+              <a:t>Constrained and Unconstrained</a:t>
+            </a:r>
+            <a:r>
+              <a:rPr b="0" lang="en-US" sz="2400" spc="-1" strike="noStrike">
                 <a:solidFill>
                   <a:srgbClr val="000000"/>
                 </a:solidFill>
@@ -19842,20 +19853,20 @@
               </a:rPr>
               <a:t>)</a:t>
             </a:r>
-            <a:endParaRPr b="0" lang="en-US" sz="3200" spc="-1" strike="noStrike">
-              <a:solidFill>
-                <a:srgbClr val="000000"/>
-              </a:solidFill>
-              <a:uFill>
-                <a:solidFill>
-                  <a:srgbClr val="ffffff"/>
-                </a:solidFill>
-              </a:uFill>
-              <a:latin typeface="Arial"/>
-            </a:endParaRPr>
-          </a:p>
-          <a:p>
-            <a:pPr marL="555480" indent="-554400">
+            <a:endParaRPr b="0" lang="en-US" sz="2400" spc="-1" strike="noStrike">
+              <a:solidFill>
+                <a:srgbClr val="000000"/>
+              </a:solidFill>
+              <a:uFill>
+                <a:solidFill>
+                  <a:srgbClr val="ffffff"/>
+                </a:solidFill>
+              </a:uFill>
+              <a:latin typeface="Arial"/>
+            </a:endParaRPr>
+          </a:p>
+          <a:p>
+            <a:pPr lvl="3" marL="864000" indent="-216000">
               <a:lnSpc>
                 <a:spcPct val="93000"/>
               </a:lnSpc>
@@ -19866,46 +19877,202 @@
                 <a:srgbClr val="000000"/>
               </a:buClr>
               <a:buSzPct val="45000"/>
-              <a:buFont typeface="Noto Sans Symbols"/>
-              <a:buChar char="●"/>
-            </a:pPr>
-            <a:r>
-              <a:rPr b="0" lang="en-US" sz="3200" spc="-1" strike="noStrike">
-                <a:solidFill>
-                  <a:srgbClr val="000000"/>
-                </a:solidFill>
-                <a:uFill>
-                  <a:solidFill>
-                    <a:srgbClr val="ffffff"/>
-                  </a:solidFill>
-                </a:uFill>
-                <a:latin typeface="Arial"/>
-                <a:ea typeface="Arial"/>
-              </a:rPr>
-              <a:t>Probability Distributions</a:t>
-            </a:r>
-            <a:endParaRPr b="0" lang="en-US" sz="3200" spc="-1" strike="noStrike">
-              <a:solidFill>
-                <a:srgbClr val="000000"/>
-              </a:solidFill>
-              <a:uFill>
-                <a:solidFill>
-                  <a:srgbClr val="ffffff"/>
-                </a:solidFill>
-              </a:uFill>
-              <a:latin typeface="Arial"/>
-            </a:endParaRPr>
-          </a:p>
-          <a:p>
-            <a:pPr>
+              <a:buFont typeface="Wingdings" charset="2"/>
+              <a:buChar char=""/>
+            </a:pPr>
+            <a:r>
+              <a:rPr b="0" lang="en-US" sz="2400" spc="-1" strike="noStrike">
+                <a:solidFill>
+                  <a:srgbClr val="000000"/>
+                </a:solidFill>
+                <a:uFill>
+                  <a:solidFill>
+                    <a:srgbClr val="ffffff"/>
+                  </a:solidFill>
+                </a:uFill>
+                <a:latin typeface="Arial"/>
+                <a:ea typeface="Arial"/>
+              </a:rPr>
+              <a:t>Fixed and Mixed Effects Modeling </a:t>
+            </a:r>
+            <a:endParaRPr b="0" lang="en-US" sz="2400" spc="-1" strike="noStrike">
+              <a:solidFill>
+                <a:srgbClr val="000000"/>
+              </a:solidFill>
+              <a:uFill>
+                <a:solidFill>
+                  <a:srgbClr val="ffffff"/>
+                </a:solidFill>
+              </a:uFill>
+              <a:latin typeface="Arial"/>
+            </a:endParaRPr>
+          </a:p>
+          <a:p>
+            <a:pPr marL="555480" indent="-554400">
               <a:lnSpc>
                 <a:spcPct val="93000"/>
               </a:lnSpc>
               <a:spcBef>
                 <a:spcPts val="1400"/>
               </a:spcBef>
-            </a:pPr>
-            <a:endParaRPr b="0" lang="en-US" sz="3200" spc="-1" strike="noStrike">
+              <a:buClr>
+                <a:srgbClr val="000000"/>
+              </a:buClr>
+              <a:buSzPct val="45000"/>
+              <a:buFont typeface="Noto Sans Symbols"/>
+              <a:buChar char="●"/>
+            </a:pPr>
+            <a:r>
+              <a:rPr b="0" lang="en-US" sz="2400" spc="-1" strike="noStrike">
+                <a:solidFill>
+                  <a:srgbClr val="000000"/>
+                </a:solidFill>
+                <a:uFill>
+                  <a:solidFill>
+                    <a:srgbClr val="ffffff"/>
+                  </a:solidFill>
+                </a:uFill>
+                <a:latin typeface="Arial"/>
+                <a:ea typeface="Arial"/>
+              </a:rPr>
+              <a:t>Containers (</a:t>
+            </a:r>
+            <a:r>
+              <a:rPr b="0" i="1" lang="en-US" sz="2400" spc="-1" strike="noStrike">
+                <a:solidFill>
+                  <a:srgbClr val="000000"/>
+                </a:solidFill>
+                <a:uFill>
+                  <a:solidFill>
+                    <a:srgbClr val="ffffff"/>
+                  </a:solidFill>
+                </a:uFill>
+                <a:latin typeface="Arial"/>
+                <a:ea typeface="Arial"/>
+              </a:rPr>
+              <a:t>Matrices, Vectors</a:t>
+            </a:r>
+            <a:r>
+              <a:rPr b="0" lang="en-US" sz="2400" spc="-1" strike="noStrike">
+                <a:solidFill>
+                  <a:srgbClr val="000000"/>
+                </a:solidFill>
+                <a:uFill>
+                  <a:solidFill>
+                    <a:srgbClr val="ffffff"/>
+                  </a:solidFill>
+                </a:uFill>
+                <a:latin typeface="Arial"/>
+                <a:ea typeface="Arial"/>
+              </a:rPr>
+              <a:t>)</a:t>
+            </a:r>
+            <a:endParaRPr b="0" lang="en-US" sz="2400" spc="-1" strike="noStrike">
+              <a:solidFill>
+                <a:srgbClr val="000000"/>
+              </a:solidFill>
+              <a:uFill>
+                <a:solidFill>
+                  <a:srgbClr val="ffffff"/>
+                </a:solidFill>
+              </a:uFill>
+              <a:latin typeface="Arial"/>
+            </a:endParaRPr>
+          </a:p>
+          <a:p>
+            <a:pPr marL="555480" indent="-554400">
+              <a:lnSpc>
+                <a:spcPct val="93000"/>
+              </a:lnSpc>
+              <a:spcBef>
+                <a:spcPts val="1400"/>
+              </a:spcBef>
+              <a:buClr>
+                <a:srgbClr val="000000"/>
+              </a:buClr>
+              <a:buSzPct val="45000"/>
+              <a:buFont typeface="Noto Sans Symbols"/>
+              <a:buChar char="●"/>
+            </a:pPr>
+            <a:r>
+              <a:rPr b="0" lang="en-US" sz="2400" spc="-1" strike="noStrike">
+                <a:solidFill>
+                  <a:srgbClr val="000000"/>
+                </a:solidFill>
+                <a:uFill>
+                  <a:solidFill>
+                    <a:srgbClr val="ffffff"/>
+                  </a:solidFill>
+                </a:uFill>
+                <a:latin typeface="Arial"/>
+                <a:ea typeface="Arial"/>
+              </a:rPr>
+              <a:t>Probability Distributions</a:t>
+            </a:r>
+            <a:endParaRPr b="0" lang="en-US" sz="2400" spc="-1" strike="noStrike">
+              <a:solidFill>
+                <a:srgbClr val="000000"/>
+              </a:solidFill>
+              <a:uFill>
+                <a:solidFill>
+                  <a:srgbClr val="ffffff"/>
+                </a:solidFill>
+              </a:uFill>
+              <a:latin typeface="Arial"/>
+            </a:endParaRPr>
+          </a:p>
+          <a:p>
+            <a:pPr marL="555480" indent="-554400">
+              <a:lnSpc>
+                <a:spcPct val="93000"/>
+              </a:lnSpc>
+              <a:spcBef>
+                <a:spcPts val="1400"/>
+              </a:spcBef>
+              <a:buClr>
+                <a:srgbClr val="000000"/>
+              </a:buClr>
+              <a:buSzPct val="45000"/>
+              <a:buFont typeface="Noto Sans Symbols"/>
+              <a:buChar char="●"/>
+            </a:pPr>
+            <a:r>
+              <a:rPr b="0" lang="en-US" sz="2400" spc="-1" strike="noStrike">
+                <a:solidFill>
+                  <a:srgbClr val="000000"/>
+                </a:solidFill>
+                <a:uFill>
+                  <a:solidFill>
+                    <a:srgbClr val="ffffff"/>
+                  </a:solidFill>
+                </a:uFill>
+                <a:latin typeface="Arial"/>
+                <a:ea typeface="Arial"/>
+              </a:rPr>
+              <a:t>Concurrency(SSE, Threads, MPI ready)</a:t>
+            </a:r>
+            <a:endParaRPr b="0" lang="en-US" sz="2400" spc="-1" strike="noStrike">
+              <a:solidFill>
+                <a:srgbClr val="000000"/>
+              </a:solidFill>
+              <a:uFill>
+                <a:solidFill>
+                  <a:srgbClr val="ffffff"/>
+                </a:solidFill>
+              </a:uFill>
+              <a:latin typeface="Arial"/>
+            </a:endParaRPr>
+          </a:p>
+          <a:p>
+            <a:pPr>
+              <a:lnSpc>
+                <a:spcPct val="93000"/>
+              </a:lnSpc>
+              <a:spcBef>
+                <a:spcPts val="1400"/>
+              </a:spcBef>
+            </a:pPr>
+            <a:endParaRPr b="0" lang="en-US" sz="2400" spc="-1" strike="noStrike">
               <a:solidFill>
                 <a:srgbClr val="000000"/>
               </a:solidFill>
@@ -20062,9 +20229,6 @@
       </p:sp>
     </p:spTree>
   </p:cSld>
-  <p:transition spd="med">
-    <p:fade/>
-  </p:transition>
   <p:timing>
     <p:tnLst>
       <p:par>
@@ -20656,9 +20820,6 @@
       </p:sp>
     </p:spTree>
   </p:cSld>
-  <p:transition spd="med">
-    <p:fade/>
-  </p:transition>
   <p:timing>
     <p:tnLst>
       <p:par>
@@ -20903,9 +21064,6 @@
       </p:pic>
     </p:spTree>
   </p:cSld>
-  <p:transition spd="med">
-    <p:fade/>
-  </p:transition>
   <p:timing>
     <p:tnLst>
       <p:par>
@@ -21307,9 +21465,6 @@
       </p:sp>
     </p:spTree>
   </p:cSld>
-  <p:transition spd="med">
-    <p:fade/>
-  </p:transition>
   <p:timing>
     <p:tnLst>
       <p:par>
@@ -21958,9 +22113,6 @@
       </p:sp>
     </p:spTree>
   </p:cSld>
-  <p:transition spd="med">
-    <p:fade/>
-  </p:transition>
   <p:timing>
     <p:tnLst>
       <p:par>
@@ -22342,7 +22494,7 @@
                 <a:latin typeface="Arial"/>
                 <a:ea typeface="Arial"/>
               </a:rPr>
-              <a:t>These sets not only hold variables that were found in the evaluated statement, but also those that have nonlinear interaction with any of the statement level variables.</a:t>
+              <a:t>Before each entry in the "Tape" is evaluated, we prepare the entry by combining the variables from the expression statement with “live” variables.</a:t>
             </a:r>
             <a:endParaRPr b="0" lang="en-US" sz="1800" spc="-1" strike="noStrike">
               <a:solidFill>
@@ -22399,7 +22551,7 @@
                 <a:latin typeface="Arial"/>
                 <a:ea typeface="Arial"/>
               </a:rPr>
-              <a:t>Before each entry in the "Tape" is evaluated, we prepare the entry by combining the variables from the expression statement with those that have nonlinear interactions with variables found at the statement level.</a:t>
+              <a:t>The result is a concise list of variable information required to properly accumulate the higher-order derivatives for that entry.</a:t>
             </a:r>
             <a:endParaRPr b="0" lang="en-US" sz="1800" spc="-1" strike="noStrike">
               <a:solidFill>
@@ -22414,7 +22566,7 @@
             </a:endParaRPr>
           </a:p>
           <a:p>
-            <a:pPr marL="212760" indent="-211680">
+            <a:pPr>
               <a:lnSpc>
                 <a:spcPct val="93000"/>
               </a:lnSpc>
@@ -22456,64 +22608,7 @@
                 <a:latin typeface="Arial"/>
                 <a:ea typeface="Arial"/>
               </a:rPr>
-              <a:t>The result is a concise list of variable information required to properly accumulate the higher-order derivatives for that entry.</a:t>
-            </a:r>
-            <a:endParaRPr b="0" lang="en-US" sz="1800" spc="-1" strike="noStrike">
-              <a:solidFill>
-                <a:srgbClr val="000000"/>
-              </a:solidFill>
-              <a:uFill>
-                <a:solidFill>
-                  <a:srgbClr val="ffffff"/>
-                </a:solidFill>
-              </a:uFill>
-              <a:latin typeface="Arial"/>
-            </a:endParaRPr>
-          </a:p>
-          <a:p>
-            <a:pPr>
-              <a:lnSpc>
-                <a:spcPct val="93000"/>
-              </a:lnSpc>
-            </a:pPr>
-            <a:endParaRPr b="0" lang="en-US" sz="1800" spc="-1" strike="noStrike">
-              <a:solidFill>
-                <a:srgbClr val="000000"/>
-              </a:solidFill>
-              <a:uFill>
-                <a:solidFill>
-                  <a:srgbClr val="ffffff"/>
-                </a:solidFill>
-              </a:uFill>
-              <a:latin typeface="Arial"/>
-            </a:endParaRPr>
-          </a:p>
-          <a:p>
-            <a:pPr marL="212760" indent="-211680">
-              <a:lnSpc>
-                <a:spcPct val="93000"/>
-              </a:lnSpc>
-              <a:buClr>
-                <a:srgbClr val="000000"/>
-              </a:buClr>
-              <a:buSzPct val="45000"/>
-              <a:buFont typeface="Noto Sans Symbols"/>
-              <a:buChar char="●"/>
-            </a:pPr>
-            <a:r>
-              <a:rPr b="0" lang="en-US" sz="1800" spc="-1" strike="noStrike">
-                <a:solidFill>
-                  <a:srgbClr val="000000"/>
-                </a:solidFill>
-                <a:uFill>
-                  <a:solidFill>
-                    <a:srgbClr val="ffffff"/>
-                  </a:solidFill>
-                </a:uFill>
-                <a:latin typeface="Arial"/>
-                <a:ea typeface="Arial"/>
-              </a:rPr>
-              <a:t>During the accumulation process, “live” variables are pushed to the  statement level variable set</a:t>
+              <a:t>During the accumulation process, “live” variables are pushed to the  dependent variable set if they result in a non-zero value.</a:t>
             </a:r>
             <a:endParaRPr b="0" lang="en-US" sz="1800" spc="-1" strike="noStrike">
               <a:solidFill>
@@ -22531,9 +22626,6 @@
       </p:sp>
     </p:spTree>
   </p:cSld>
-  <p:transition spd="med">
-    <p:fade/>
-  </p:transition>
   <p:timing>
     <p:tnLst>
       <p:par>
@@ -22831,9 +22923,6 @@
       </p:pic>
     </p:spTree>
   </p:cSld>
-  <p:transition spd="med">
-    <p:fade/>
-  </p:transition>
   <p:timing>
     <p:tnLst>
       <p:par>
@@ -23235,9 +23324,6 @@
       </p:sp>
     </p:spTree>
   </p:cSld>
-  <p:transition spd="med">
-    <p:fade/>
-  </p:transition>
   <p:timing>
     <p:tnLst>
       <p:par>
@@ -23687,9 +23773,6 @@
       </p:sp>
     </p:spTree>
   </p:cSld>
-  <p:transition spd="med">
-    <p:fade/>
-  </p:transition>
   <p:timing>
     <p:tnLst>
       <p:par>
@@ -23987,9 +24070,6 @@
       </p:pic>
     </p:spTree>
   </p:cSld>
-  <p:transition spd="med">
-    <p:fade/>
-  </p:transition>
   <p:timing>
     <p:tnLst>
       <p:par>
@@ -24338,9 +24418,6 @@
       </p:pic>
     </p:spTree>
   </p:cSld>
-  <p:transition spd="med">
-    <p:fade/>
-  </p:transition>
   <p:timing>
     <p:tnLst>
       <p:par>
@@ -24746,9 +24823,6 @@
       </p:sp>
     </p:spTree>
   </p:cSld>
-  <p:transition spd="med">
-    <p:fade/>
-  </p:transition>
   <p:timing>
     <p:tnLst>
       <p:par>
@@ -25210,9 +25284,6 @@
       </p:sp>
     </p:spTree>
   </p:cSld>
-  <p:transition spd="med">
-    <p:fade/>
-  </p:transition>
   <p:timing>
     <p:tnLst>
       <p:par>
@@ -25504,9 +25575,6 @@
       </p:pic>
     </p:spTree>
   </p:cSld>
-  <p:transition spd="med">
-    <p:fade/>
-  </p:transition>
   <p:timing>
     <p:tnLst>
       <p:par>
@@ -26709,9 +26777,6 @@
       </p:sp>
     </p:spTree>
   </p:cSld>
-  <p:transition spd="med">
-    <p:fade/>
-  </p:transition>
   <p:timing>
     <p:tnLst>
       <p:par>
@@ -29335,9 +29400,6 @@
       </p:sp>
     </p:spTree>
   </p:cSld>
-  <p:transition spd="med">
-    <p:fade/>
-  </p:transition>
   <p:timing>
     <p:tnLst>
       <p:par>
@@ -32096,9 +32158,6 @@
       </p:sp>
     </p:spTree>
   </p:cSld>
-  <p:transition spd="med">
-    <p:fade/>
-  </p:transition>
   <p:timing>
     <p:tnLst>
       <p:par>
@@ -32713,7 +32772,22 @@
                 <a:latin typeface="Arial"/>
                 <a:ea typeface="Arial"/>
               </a:rPr>
-              <a:t>gradient_structure_g.derivative_trace_leve</a:t>
+              <a:t>tape.</a:t>
+            </a:r>
+            <a:r>
+              <a:rPr b="0" lang="en-US" sz="1100" spc="-1" strike="noStrike">
+                <a:solidFill>
+                  <a:srgbClr val="009933"/>
+                </a:solidFill>
+                <a:uFill>
+                  <a:solidFill>
+                    <a:srgbClr val="ffffff"/>
+                  </a:solidFill>
+                </a:uFill>
+                <a:latin typeface="Arial"/>
+                <a:ea typeface="Arial"/>
+              </a:rPr>
+              <a:t>.derivative_trace_leve</a:t>
             </a:r>
             <a:r>
               <a:rPr b="0" lang="en-US" sz="1100" spc="-1" strike="noStrike">
@@ -34764,9 +34838,6 @@
       </p:sp>
     </p:spTree>
   </p:cSld>
-  <p:transition spd="med">
-    <p:fade/>
-  </p:transition>
   <p:timing>
     <p:tnLst>
       <p:par>
@@ -34856,7 +34927,7 @@
         <p:spPr>
           <a:xfrm>
             <a:off x="250920" y="49320"/>
-            <a:ext cx="9041400" cy="1075320"/>
+            <a:ext cx="9042840" cy="1076760"/>
           </a:xfrm>
           <a:prstGeom prst="rect">
             <a:avLst/>
@@ -34893,7 +34964,7 @@
                 <a:latin typeface="Arial"/>
                 <a:ea typeface="Arial"/>
               </a:rPr>
-              <a:t>Known issues</a:t>
+              <a:t>Future Work</a:t>
             </a:r>
             <a:endParaRPr b="0" lang="en-US" sz="4400" spc="-1" strike="noStrike">
               <a:solidFill>
@@ -34918,7 +34989,7 @@
         <p:spPr>
           <a:xfrm>
             <a:off x="503280" y="1768320"/>
-            <a:ext cx="8839800" cy="5947200"/>
+            <a:ext cx="8841240" cy="4356720"/>
           </a:xfrm>
           <a:prstGeom prst="rect">
             <a:avLst/>
@@ -34961,7 +35032,7 @@
                 <a:latin typeface="Arial"/>
                 <a:ea typeface="Arial"/>
               </a:rPr>
-              <a:t>Container classes returning AD types can be slow. </a:t>
+              <a:t>Fa’a Di Bruno algorithm for any-order mixed derivatives</a:t>
             </a:r>
             <a:endParaRPr b="0" lang="en-US" sz="3200" spc="-1" strike="noStrike">
               <a:solidFill>
@@ -35003,7 +35074,7 @@
                 <a:latin typeface="Arial"/>
                 <a:ea typeface="Arial"/>
               </a:rPr>
-              <a:t>Original design had ET's returning ET's, caused stack overflow for large container expressions (considering ET iterators using traits)</a:t>
+              <a:t>Expanded minimizer algorithms</a:t>
             </a:r>
             <a:endParaRPr b="0" lang="en-US" sz="3200" spc="-1" strike="noStrike">
               <a:solidFill>
@@ -35045,7 +35116,7 @@
                 <a:latin typeface="Arial"/>
                 <a:ea typeface="Arial"/>
               </a:rPr>
-              <a:t>Distribution library is lousy(needs review and vectorization, template specification)</a:t>
+              <a:t>ET optimization</a:t>
             </a:r>
             <a:endParaRPr b="0" lang="en-US" sz="3200" spc="-1" strike="noStrike">
               <a:solidFill>
@@ -35087,89 +35158,8 @@
                 <a:latin typeface="Arial"/>
                 <a:ea typeface="Arial"/>
               </a:rPr>
-              <a:t>Documentation is weak</a:t>
-            </a:r>
-            <a:endParaRPr b="0" lang="en-US" sz="3200" spc="-1" strike="noStrike">
-              <a:solidFill>
-                <a:srgbClr val="000000"/>
-              </a:solidFill>
-              <a:uFill>
-                <a:solidFill>
-                  <a:srgbClr val="ffffff"/>
-                </a:solidFill>
-              </a:uFill>
-              <a:latin typeface="Arial"/>
-            </a:endParaRPr>
-          </a:p>
-          <a:p>
-            <a:pPr marL="558720" indent="-557640">
-              <a:lnSpc>
-                <a:spcPct val="93000"/>
-              </a:lnSpc>
-              <a:spcBef>
-                <a:spcPts val="1400"/>
-              </a:spcBef>
-              <a:buClr>
-                <a:srgbClr val="000000"/>
-              </a:buClr>
-              <a:buSzPct val="45000"/>
-              <a:buFont typeface="Noto Sans Symbols"/>
-              <a:buChar char="●"/>
-            </a:pPr>
-            <a:r>
-              <a:rPr b="0" lang="en-US" sz="3200" spc="-1" strike="noStrike">
-                <a:solidFill>
-                  <a:srgbClr val="000000"/>
-                </a:solidFill>
-                <a:uFill>
-                  <a:solidFill>
-                    <a:srgbClr val="ffffff"/>
-                  </a:solidFill>
-                </a:uFill>
-                <a:latin typeface="Arial"/>
-                <a:ea typeface="Arial"/>
-              </a:rPr>
-              <a:t>BigFloat is broken</a:t>
-            </a:r>
-            <a:endParaRPr b="0" lang="en-US" sz="3200" spc="-1" strike="noStrike">
-              <a:solidFill>
-                <a:srgbClr val="000000"/>
-              </a:solidFill>
-              <a:uFill>
-                <a:solidFill>
-                  <a:srgbClr val="ffffff"/>
-                </a:solidFill>
-              </a:uFill>
-              <a:latin typeface="Arial"/>
-            </a:endParaRPr>
-          </a:p>
-          <a:p>
-            <a:pPr>
-              <a:lnSpc>
-                <a:spcPct val="93000"/>
-              </a:lnSpc>
-            </a:pPr>
-            <a:endParaRPr b="0" lang="en-US" sz="3200" spc="-1" strike="noStrike">
-              <a:solidFill>
-                <a:srgbClr val="000000"/>
-              </a:solidFill>
-              <a:uFill>
-                <a:solidFill>
-                  <a:srgbClr val="ffffff"/>
-                </a:solidFill>
-              </a:uFill>
-              <a:latin typeface="Arial"/>
-            </a:endParaRPr>
-          </a:p>
-          <a:p>
-            <a:pPr marL="343080" indent="-342000">
-              <a:lnSpc>
-                <a:spcPct val="93000"/>
-              </a:lnSpc>
-              <a:spcBef>
-                <a:spcPts val="1100"/>
-              </a:spcBef>
-            </a:pPr>
+              <a:t>Improved Mixed Effects Evaluation (TMB method)</a:t>
+            </a:r>
             <a:endParaRPr b="0" lang="en-US" sz="3200" spc="-1" strike="noStrike">
               <a:solidFill>
                 <a:srgbClr val="000000"/>
@@ -35186,9 +35176,6 @@
       </p:sp>
     </p:spTree>
   </p:cSld>
-  <p:transition spd="med">
-    <p:fade/>
-  </p:transition>
   <p:timing>
     <p:tnLst>
       <p:par>
@@ -35315,7 +35302,7 @@
                 <a:latin typeface="Arial"/>
                 <a:ea typeface="Arial"/>
               </a:rPr>
-              <a:t>Future Work</a:t>
+              <a:t>References</a:t>
             </a:r>
             <a:endParaRPr b="0" lang="en-US" sz="4400" spc="-1" strike="noStrike">
               <a:solidFill>
@@ -35334,389 +35321,6 @@
       <p:sp>
         <p:nvSpPr>
           <p:cNvPr id="282" name="CustomShape 3"/>
-          <p:cNvSpPr/>
-          <p:nvPr/>
-        </p:nvSpPr>
-        <p:spPr>
-          <a:xfrm>
-            <a:off x="503280" y="1768320"/>
-            <a:ext cx="8841240" cy="4356720"/>
-          </a:xfrm>
-          <a:prstGeom prst="rect">
-            <a:avLst/>
-          </a:prstGeom>
-          <a:noFill/>
-          <a:ln>
-            <a:noFill/>
-          </a:ln>
-        </p:spPr>
-        <p:style>
-          <a:lnRef idx="0"/>
-          <a:fillRef idx="0"/>
-          <a:effectRef idx="0"/>
-          <a:fontRef idx="minor"/>
-        </p:style>
-        <p:txBody>
-          <a:bodyPr lIns="0" rIns="0" tIns="28080" bIns="0"/>
-          <a:p>
-            <a:pPr marL="558720" indent="-557640">
-              <a:lnSpc>
-                <a:spcPct val="93000"/>
-              </a:lnSpc>
-              <a:buClr>
-                <a:srgbClr val="000000"/>
-              </a:buClr>
-              <a:buSzPct val="45000"/>
-              <a:buFont typeface="Noto Sans Symbols"/>
-              <a:buChar char="●"/>
-            </a:pPr>
-            <a:r>
-              <a:rPr b="0" lang="en-US" sz="3200" spc="-1" strike="noStrike">
-                <a:solidFill>
-                  <a:srgbClr val="000000"/>
-                </a:solidFill>
-                <a:uFill>
-                  <a:solidFill>
-                    <a:srgbClr val="ffffff"/>
-                  </a:solidFill>
-                </a:uFill>
-                <a:latin typeface="Arial"/>
-                <a:ea typeface="Arial"/>
-              </a:rPr>
-              <a:t>Fourth-Order derivatives</a:t>
-            </a:r>
-            <a:endParaRPr b="0" lang="en-US" sz="3200" spc="-1" strike="noStrike">
-              <a:solidFill>
-                <a:srgbClr val="000000"/>
-              </a:solidFill>
-              <a:uFill>
-                <a:solidFill>
-                  <a:srgbClr val="ffffff"/>
-                </a:solidFill>
-              </a:uFill>
-              <a:latin typeface="Arial"/>
-            </a:endParaRPr>
-          </a:p>
-          <a:p>
-            <a:pPr marL="558720" indent="-557640">
-              <a:lnSpc>
-                <a:spcPct val="93000"/>
-              </a:lnSpc>
-              <a:spcBef>
-                <a:spcPts val="1400"/>
-              </a:spcBef>
-              <a:buClr>
-                <a:srgbClr val="000000"/>
-              </a:buClr>
-              <a:buSzPct val="45000"/>
-              <a:buFont typeface="Noto Sans Symbols"/>
-              <a:buChar char="●"/>
-            </a:pPr>
-            <a:r>
-              <a:rPr b="0" lang="en-US" sz="3200" spc="-1" strike="noStrike">
-                <a:solidFill>
-                  <a:srgbClr val="000000"/>
-                </a:solidFill>
-                <a:uFill>
-                  <a:solidFill>
-                    <a:srgbClr val="ffffff"/>
-                  </a:solidFill>
-                </a:uFill>
-                <a:latin typeface="Arial"/>
-                <a:ea typeface="Arial"/>
-              </a:rPr>
-              <a:t>Expanded minimizer algorithms</a:t>
-            </a:r>
-            <a:endParaRPr b="0" lang="en-US" sz="3200" spc="-1" strike="noStrike">
-              <a:solidFill>
-                <a:srgbClr val="000000"/>
-              </a:solidFill>
-              <a:uFill>
-                <a:solidFill>
-                  <a:srgbClr val="ffffff"/>
-                </a:solidFill>
-              </a:uFill>
-              <a:latin typeface="Arial"/>
-            </a:endParaRPr>
-          </a:p>
-          <a:p>
-            <a:pPr marL="558720" indent="-557640">
-              <a:lnSpc>
-                <a:spcPct val="93000"/>
-              </a:lnSpc>
-              <a:spcBef>
-                <a:spcPts val="1400"/>
-              </a:spcBef>
-              <a:buClr>
-                <a:srgbClr val="000000"/>
-              </a:buClr>
-              <a:buSzPct val="45000"/>
-              <a:buFont typeface="Noto Sans Symbols"/>
-              <a:buChar char="●"/>
-            </a:pPr>
-            <a:r>
-              <a:rPr b="0" lang="en-US" sz="3200" spc="-1" strike="noStrike">
-                <a:solidFill>
-                  <a:srgbClr val="000000"/>
-                </a:solidFill>
-                <a:uFill>
-                  <a:solidFill>
-                    <a:srgbClr val="ffffff"/>
-                  </a:solidFill>
-                </a:uFill>
-                <a:latin typeface="Arial"/>
-                <a:ea typeface="Arial"/>
-              </a:rPr>
-              <a:t>ET optimization</a:t>
-            </a:r>
-            <a:endParaRPr b="0" lang="en-US" sz="3200" spc="-1" strike="noStrike">
-              <a:solidFill>
-                <a:srgbClr val="000000"/>
-              </a:solidFill>
-              <a:uFill>
-                <a:solidFill>
-                  <a:srgbClr val="ffffff"/>
-                </a:solidFill>
-              </a:uFill>
-              <a:latin typeface="Arial"/>
-            </a:endParaRPr>
-          </a:p>
-          <a:p>
-            <a:pPr marL="558720" indent="-557640">
-              <a:lnSpc>
-                <a:spcPct val="93000"/>
-              </a:lnSpc>
-              <a:spcBef>
-                <a:spcPts val="1400"/>
-              </a:spcBef>
-              <a:buClr>
-                <a:srgbClr val="000000"/>
-              </a:buClr>
-              <a:buSzPct val="45000"/>
-              <a:buFont typeface="Noto Sans Symbols"/>
-              <a:buChar char="●"/>
-            </a:pPr>
-            <a:r>
-              <a:rPr b="0" lang="en-US" sz="3200" spc="-1" strike="noStrike">
-                <a:solidFill>
-                  <a:srgbClr val="000000"/>
-                </a:solidFill>
-                <a:uFill>
-                  <a:solidFill>
-                    <a:srgbClr val="ffffff"/>
-                  </a:solidFill>
-                </a:uFill>
-                <a:latin typeface="Arial"/>
-                <a:ea typeface="Arial"/>
-              </a:rPr>
-              <a:t>Faster Associative Container (Judy Arrays?)</a:t>
-            </a:r>
-            <a:endParaRPr b="0" lang="en-US" sz="3200" spc="-1" strike="noStrike">
-              <a:solidFill>
-                <a:srgbClr val="000000"/>
-              </a:solidFill>
-              <a:uFill>
-                <a:solidFill>
-                  <a:srgbClr val="ffffff"/>
-                </a:solidFill>
-              </a:uFill>
-              <a:latin typeface="Arial"/>
-            </a:endParaRPr>
-          </a:p>
-          <a:p>
-            <a:pPr marL="558720" indent="-557640">
-              <a:lnSpc>
-                <a:spcPct val="93000"/>
-              </a:lnSpc>
-              <a:spcBef>
-                <a:spcPts val="1400"/>
-              </a:spcBef>
-              <a:buClr>
-                <a:srgbClr val="000000"/>
-              </a:buClr>
-              <a:buSzPct val="45000"/>
-              <a:buFont typeface="Noto Sans Symbols"/>
-              <a:buChar char="●"/>
-            </a:pPr>
-            <a:r>
-              <a:rPr b="0" lang="en-US" sz="3200" spc="-1" strike="noStrike">
-                <a:solidFill>
-                  <a:srgbClr val="000000"/>
-                </a:solidFill>
-                <a:uFill>
-                  <a:solidFill>
-                    <a:srgbClr val="ffffff"/>
-                  </a:solidFill>
-                </a:uFill>
-                <a:latin typeface="Arial"/>
-                <a:ea typeface="Arial"/>
-              </a:rPr>
-              <a:t>Container Iterators for AD types(ETs returning ETs)</a:t>
-            </a:r>
-            <a:endParaRPr b="0" lang="en-US" sz="3200" spc="-1" strike="noStrike">
-              <a:solidFill>
-                <a:srgbClr val="000000"/>
-              </a:solidFill>
-              <a:uFill>
-                <a:solidFill>
-                  <a:srgbClr val="ffffff"/>
-                </a:solidFill>
-              </a:uFill>
-              <a:latin typeface="Arial"/>
-            </a:endParaRPr>
-          </a:p>
-        </p:txBody>
-      </p:sp>
-    </p:spTree>
-  </p:cSld>
-  <p:transition spd="med">
-    <p:fade/>
-  </p:transition>
-  <p:timing>
-    <p:tnLst>
-      <p:par>
-        <p:cTn id="73" dur="indefinite" restart="never" nodeType="tmRoot">
-          <p:childTnLst>
-            <p:seq>
-              <p:cTn id="74" nodeType="mainSeq"/>
-              <p:prevCondLst>
-                <p:cond delay="0" evt="onPrev">
-                  <p:tgtEl>
-                    <p:sldTgt/>
-                  </p:tgtEl>
-                </p:cond>
-              </p:prevCondLst>
-              <p:nextCondLst>
-                <p:cond delay="0" evt="onNext">
-                  <p:tgtEl>
-                    <p:sldTgt/>
-                  </p:tgtEl>
-                </p:cond>
-              </p:nextCondLst>
-            </p:seq>
-          </p:childTnLst>
-        </p:cTn>
-      </p:par>
-    </p:tnLst>
-  </p:timing>
-</p:sld>
-</file>
-
-<file path=ppt/slides/slide38.xml><?xml version="1.0" encoding="utf-8"?>
-<p:sld xmlns:a="http://schemas.openxmlformats.org/drawingml/2006/main" xmlns:p="http://schemas.openxmlformats.org/presentationml/2006/main" xmlns:r="http://schemas.openxmlformats.org/officeDocument/2006/relationships" xmlns:p14="http://schemas.microsoft.com/office/powerpoint/2010/main" xmlns:p15="http://schemas.microsoft.com/office/powerpoint/2012/main" xmlns:mc="http://schemas.openxmlformats.org/markup-compatibility/2006">
-  <p:cSld>
-    <p:bg>
-      <p:bgPr>
-        <a:solidFill>
-          <a:srgbClr val="ffffff"/>
-        </a:solidFill>
-      </p:bgPr>
-    </p:bg>
-    <p:spTree>
-      <p:nvGrpSpPr>
-        <p:cNvPr id="1" name=""/>
-        <p:cNvGrpSpPr/>
-        <p:nvPr/>
-      </p:nvGrpSpPr>
-      <p:grpSpPr>
-        <a:xfrm>
-          <a:off x="0" y="0"/>
-          <a:ext cx="0" cy="0"/>
-          <a:chOff x="0" y="0"/>
-          <a:chExt cx="0" cy="0"/>
-        </a:xfrm>
-      </p:grpSpPr>
-      <p:sp>
-        <p:nvSpPr>
-          <p:cNvPr id="283" name="CustomShape 1"/>
-          <p:cNvSpPr/>
-          <p:nvPr/>
-        </p:nvSpPr>
-        <p:spPr>
-          <a:xfrm>
-            <a:off x="3448080" y="7122960"/>
-            <a:ext cx="3162960" cy="324360"/>
-          </a:xfrm>
-          <a:prstGeom prst="rect">
-            <a:avLst/>
-          </a:prstGeom>
-          <a:noFill/>
-          <a:ln>
-            <a:noFill/>
-          </a:ln>
-        </p:spPr>
-        <p:style>
-          <a:lnRef idx="0"/>
-          <a:fillRef idx="0"/>
-          <a:effectRef idx="0"/>
-          <a:fontRef idx="minor"/>
-        </p:style>
-      </p:sp>
-      <p:sp>
-        <p:nvSpPr>
-          <p:cNvPr id="284" name="CustomShape 2"/>
-          <p:cNvSpPr/>
-          <p:nvPr/>
-        </p:nvSpPr>
-        <p:spPr>
-          <a:xfrm>
-            <a:off x="250920" y="49320"/>
-            <a:ext cx="9042840" cy="1076760"/>
-          </a:xfrm>
-          <a:prstGeom prst="rect">
-            <a:avLst/>
-          </a:prstGeom>
-          <a:noFill/>
-          <a:ln>
-            <a:noFill/>
-          </a:ln>
-        </p:spPr>
-        <p:style>
-          <a:lnRef idx="0"/>
-          <a:fillRef idx="0"/>
-          <a:effectRef idx="0"/>
-          <a:fontRef idx="minor"/>
-        </p:style>
-        <p:txBody>
-          <a:bodyPr lIns="0" rIns="0" tIns="0" bIns="0" anchor="ctr"/>
-          <a:p>
-            <a:pPr>
-              <a:lnSpc>
-                <a:spcPct val="93000"/>
-              </a:lnSpc>
-            </a:pPr>
-            <a:r>
-              <a:rPr b="0" lang="en-US" sz="4400" spc="-1" strike="noStrike">
-                <a:solidFill>
-                  <a:srgbClr val="000000"/>
-                </a:solidFill>
-                <a:uFill>
-                  <a:solidFill>
-                    <a:srgbClr val="ffffff"/>
-                  </a:solidFill>
-                </a:uFill>
-                <a:latin typeface="Arial"/>
-                <a:ea typeface="Arial"/>
-              </a:rPr>
-              <a:t>References</a:t>
-            </a:r>
-            <a:endParaRPr b="0" lang="en-US" sz="4400" spc="-1" strike="noStrike">
-              <a:solidFill>
-                <a:srgbClr val="000000"/>
-              </a:solidFill>
-              <a:uFill>
-                <a:solidFill>
-                  <a:srgbClr val="ffffff"/>
-                </a:solidFill>
-              </a:uFill>
-              <a:latin typeface="Arial"/>
-            </a:endParaRPr>
-          </a:p>
-        </p:txBody>
-      </p:sp>
-      <p:sp>
-        <p:nvSpPr>
-          <p:cNvPr id="285" name="CustomShape 3"/>
           <p:cNvSpPr/>
           <p:nvPr/>
         </p:nvSpPr>
@@ -35904,16 +35508,13 @@
       </p:sp>
     </p:spTree>
   </p:cSld>
-  <p:transition spd="med">
-    <p:fade/>
-  </p:transition>
   <p:timing>
     <p:tnLst>
       <p:par>
-        <p:cTn id="75" dur="indefinite" restart="never" nodeType="tmRoot">
+        <p:cTn id="73" dur="indefinite" restart="never" nodeType="tmRoot">
           <p:childTnLst>
             <p:seq>
-              <p:cTn id="76" nodeType="mainSeq"/>
+              <p:cTn id="74" nodeType="mainSeq"/>
               <p:prevCondLst>
                 <p:cond delay="0" evt="onPrev">
                   <p:tgtEl>
@@ -37142,9 +36743,6 @@
       </p:sp>
     </p:spTree>
   </p:cSld>
-  <p:transition spd="med">
-    <p:fade/>
-  </p:transition>
   <p:timing>
     <p:tnLst>
       <p:par>
@@ -39012,9 +38610,6 @@
       </p:sp>
     </p:spTree>
   </p:cSld>
-  <p:transition spd="med">
-    <p:fade/>
-  </p:transition>
   <p:timing>
     <p:tnLst>
       <p:par>
@@ -39269,9 +38864,6 @@
       </p:sp>
     </p:spTree>
   </p:cSld>
-  <p:transition spd="med">
-    <p:fade/>
-  </p:transition>
   <p:timing>
     <p:tnLst>
       <p:par>
@@ -40636,9 +40228,6 @@
       </p:sp>
     </p:spTree>
   </p:cSld>
-  <p:transition spd="med">
-    <p:fade/>
-  </p:transition>
   <p:timing>
     <p:tnLst>
       <p:par>
@@ -42162,9 +41751,6 @@
       </p:sp>
     </p:spTree>
   </p:cSld>
-  <p:transition spd="med">
-    <p:fade/>
-  </p:transition>
   <p:timing>
     <p:tnLst>
       <p:par>
@@ -43795,9 +43381,6 @@
       </p:sp>
     </p:spTree>
   </p:cSld>
-  <p:transition spd="med">
-    <p:fade/>
-  </p:transition>
   <p:timing>
     <p:tnLst>
       <p:par>
